--- a/DEVLOGI.pptx
+++ b/DEVLOGI.pptx
@@ -8932,15 +8932,7 @@
           <a:p>
             <a:r>
               <a:rPr lang="fr-FR" dirty="0"/>
-              <a:t>PROJET </a:t>
-            </a:r>
-            <a:r>
-              <a:rPr lang="fr-FR" dirty="0" err="1"/>
-              <a:t>DéVeloppement</a:t>
-            </a:r>
-            <a:r>
-              <a:rPr lang="fr-FR" dirty="0"/>
-              <a:t> logiciel</a:t>
+              <a:t>PROJET Développement logiciel</a:t>
             </a:r>
           </a:p>
         </p:txBody>
@@ -9689,12 +9681,14 @@
           <a:lstStyle/>
           <a:p>
             <a:r>
-              <a:rPr lang="fr-FR" sz="3200" dirty="0" err="1"/>
-              <a:t>Matchmaking</a:t>
+              <a:rPr lang="fr-FR" sz="3200" dirty="0"/>
+              <a:t>Puissance 4 en ligne</a:t>
             </a:r>
+          </a:p>
+          <a:p>
             <a:r>
               <a:rPr lang="fr-FR" sz="3200" dirty="0"/>
-              <a:t> en ligne</a:t>
+              <a:t>Matchmaking rapide</a:t>
             </a:r>
           </a:p>
         </p:txBody>
@@ -10484,7 +10478,13 @@
           <a:p>
             <a:r>
               <a:rPr lang="fr-FR" sz="3200" dirty="0"/>
-              <a:t>Des problèmes au niveau de certains formatage de réponse du serveur</a:t>
+              <a:t>Des problèmes au niveau de certains formatage de réponse du serveur.</a:t>
+            </a:r>
+          </a:p>
+          <a:p>
+            <a:r>
+              <a:rPr lang="fr-FR" sz="3200" dirty="0"/>
+              <a:t>Manque de temps pour faire ce qu’on voulait.</a:t>
             </a:r>
           </a:p>
           <a:p>
@@ -11182,7 +11182,7 @@
           <a:p>
             <a:r>
               <a:rPr lang="en-US" sz="8800" dirty="0"/>
-              <a:t>Fin du de la présentation</a:t>
+              <a:t>Fin de la présentation</a:t>
             </a:r>
           </a:p>
         </p:txBody>
